--- a/mySafeUV.pptx
+++ b/mySafeUV.pptx
@@ -6649,25 +6649,65 @@
           </a:p>
         </p:txBody>
       </p:sp>
-      <p:sp>
-        <p:nvSpPr>
-          <p:cNvPr id="3" name="Content Placeholder 2"/>
-          <p:cNvSpPr>
-            <a:spLocks noGrp="1"/>
-          </p:cNvSpPr>
+      <p:pic>
+        <p:nvPicPr>
+          <p:cNvPr id="4" name="Content Placeholder 3"/>
+          <p:cNvPicPr>
+            <a:picLocks noGrp="1" noChangeAspect="1"/>
+          </p:cNvPicPr>
           <p:nvPr>
             <p:ph sz="quarter" idx="1"/>
           </p:nvPr>
-        </p:nvSpPr>
-        <p:spPr/>
-        <p:txBody>
-          <a:bodyPr/>
-          <a:lstStyle/>
-          <a:p>
-            <a:endParaRPr lang="en-US"/>
-          </a:p>
-        </p:txBody>
-      </p:sp>
+        </p:nvPicPr>
+        <p:blipFill>
+          <a:blip r:embed="rId2" cstate="print">
+            <a:extLst>
+              <a:ext uri="{28A0092B-C50C-407E-A947-70E740481C1C}">
+                <a14:useLocalDpi xmlns:a14="http://schemas.microsoft.com/office/drawing/2010/main" val="0"/>
+              </a:ext>
+            </a:extLst>
+          </a:blip>
+          <a:stretch>
+            <a:fillRect/>
+          </a:stretch>
+        </p:blipFill>
+        <p:spPr>
+          <a:xfrm>
+            <a:off x="228600" y="1447800"/>
+            <a:ext cx="4117847" cy="2820532"/>
+          </a:xfrm>
+        </p:spPr>
+      </p:pic>
+      <p:pic>
+        <p:nvPicPr>
+          <p:cNvPr id="5" name="Picture 4"/>
+          <p:cNvPicPr>
+            <a:picLocks noChangeAspect="1"/>
+          </p:cNvPicPr>
+          <p:nvPr/>
+        </p:nvPicPr>
+        <p:blipFill>
+          <a:blip r:embed="rId3">
+            <a:extLst>
+              <a:ext uri="{28A0092B-C50C-407E-A947-70E740481C1C}">
+                <a14:useLocalDpi xmlns:a14="http://schemas.microsoft.com/office/drawing/2010/main" val="0"/>
+              </a:ext>
+            </a:extLst>
+          </a:blip>
+          <a:stretch>
+            <a:fillRect/>
+          </a:stretch>
+        </p:blipFill>
+        <p:spPr>
+          <a:xfrm>
+            <a:off x="4495800" y="3692906"/>
+            <a:ext cx="4315470" cy="2736725"/>
+          </a:xfrm>
+          <a:prstGeom prst="rect">
+            <a:avLst/>
+          </a:prstGeom>
+        </p:spPr>
+      </p:pic>
     </p:spTree>
     <p:extLst>
       <p:ext uri="{BB962C8B-B14F-4D97-AF65-F5344CB8AC3E}">
@@ -6752,10 +6792,207 @@
         </p:nvSpPr>
         <p:spPr/>
         <p:txBody>
-          <a:bodyPr/>
-          <a:lstStyle/>
-          <a:p>
-            <a:endParaRPr lang="en-US"/>
+          <a:bodyPr>
+            <a:normAutofit lnSpcReduction="10000"/>
+          </a:bodyPr>
+          <a:lstStyle/>
+          <a:p>
+            <a:r>
+              <a:rPr lang="en-US" sz="2800" dirty="0"/>
+              <a:t>Course knowledge utilized </a:t>
+            </a:r>
+            <a:r>
+              <a:rPr lang="en-US" sz="2800" dirty="0" smtClean="0"/>
+              <a:t>via </a:t>
+            </a:r>
+            <a:r>
+              <a:rPr lang="en-US" sz="2800" dirty="0"/>
+              <a:t>previous </a:t>
+            </a:r>
+            <a:r>
+              <a:rPr lang="en-US" sz="2800" dirty="0" smtClean="0"/>
+              <a:t>courses:</a:t>
+            </a:r>
+          </a:p>
+          <a:p>
+            <a:pPr marL="0" indent="0">
+              <a:buNone/>
+            </a:pPr>
+            <a:endParaRPr lang="en-US" sz="2800" dirty="0" smtClean="0"/>
+          </a:p>
+          <a:p>
+            <a:pPr marL="457200" indent="-457200">
+              <a:buFont typeface="+mj-lt"/>
+              <a:buAutoNum type="arabicPeriod"/>
+            </a:pPr>
+            <a:r>
+              <a:rPr lang="en-US" sz="2400" b="1" dirty="0" smtClean="0">
+                <a:solidFill>
+                  <a:schemeClr val="accent1">
+                    <a:lumMod val="75000"/>
+                  </a:schemeClr>
+                </a:solidFill>
+              </a:rPr>
+              <a:t>CENG 150: </a:t>
+            </a:r>
+            <a:r>
+              <a:rPr lang="en-US" sz="2400" dirty="0" smtClean="0">
+                <a:solidFill>
+                  <a:schemeClr val="accent1">
+                    <a:lumMod val="75000"/>
+                  </a:schemeClr>
+                </a:solidFill>
+              </a:rPr>
+              <a:t>Electronic Circuits</a:t>
+            </a:r>
+          </a:p>
+          <a:p>
+            <a:pPr lvl="2"/>
+            <a:r>
+              <a:rPr lang="en-US" dirty="0" smtClean="0">
+                <a:solidFill>
+                  <a:schemeClr val="tx2">
+                    <a:lumMod val="75000"/>
+                  </a:schemeClr>
+                </a:solidFill>
+              </a:rPr>
+              <a:t>Assisted with basic electrical circuit setup and precautionary measures (e.g. Correct voltages to avoid hardware damage)</a:t>
+            </a:r>
+          </a:p>
+          <a:p>
+            <a:pPr lvl="2"/>
+            <a:r>
+              <a:rPr lang="en-US" dirty="0" smtClean="0">
+                <a:solidFill>
+                  <a:schemeClr val="tx2">
+                    <a:lumMod val="75000"/>
+                  </a:schemeClr>
+                </a:solidFill>
+              </a:rPr>
+              <a:t>Interpretation of sensor datasheets</a:t>
+            </a:r>
+          </a:p>
+          <a:p>
+            <a:pPr marL="457200" indent="-457200">
+              <a:buFont typeface="+mj-lt"/>
+              <a:buAutoNum type="arabicPeriod"/>
+            </a:pPr>
+            <a:r>
+              <a:rPr lang="en-US" sz="2400" b="1" dirty="0" smtClean="0">
+                <a:solidFill>
+                  <a:schemeClr val="accent1">
+                    <a:lumMod val="75000"/>
+                  </a:schemeClr>
+                </a:solidFill>
+              </a:rPr>
+              <a:t>CENG 153: </a:t>
+            </a:r>
+            <a:r>
+              <a:rPr lang="en-US" sz="2400" dirty="0" smtClean="0">
+                <a:solidFill>
+                  <a:schemeClr val="accent1">
+                    <a:lumMod val="75000"/>
+                  </a:schemeClr>
+                </a:solidFill>
+              </a:rPr>
+              <a:t>Programming in C</a:t>
+            </a:r>
+          </a:p>
+          <a:p>
+            <a:pPr lvl="2"/>
+            <a:r>
+              <a:rPr lang="en-US" dirty="0" smtClean="0">
+                <a:solidFill>
+                  <a:schemeClr val="tx2">
+                    <a:lumMod val="75000"/>
+                  </a:schemeClr>
+                </a:solidFill>
+              </a:rPr>
+              <a:t>Fundamentals of standard input/output</a:t>
+            </a:r>
+          </a:p>
+          <a:p>
+            <a:pPr lvl="2"/>
+            <a:r>
+              <a:rPr lang="en-US" dirty="0" smtClean="0">
+                <a:solidFill>
+                  <a:schemeClr val="tx2">
+                    <a:lumMod val="75000"/>
+                  </a:schemeClr>
+                </a:solidFill>
+              </a:rPr>
+              <a:t>Working with files for saving input data</a:t>
+            </a:r>
+            <a:endParaRPr lang="en-US" dirty="0" smtClean="0">
+              <a:solidFill>
+                <a:schemeClr val="accent1">
+                  <a:lumMod val="75000"/>
+                </a:schemeClr>
+              </a:solidFill>
+            </a:endParaRPr>
+          </a:p>
+          <a:p>
+            <a:pPr marL="457200" indent="-457200">
+              <a:buFont typeface="+mj-lt"/>
+              <a:buAutoNum type="arabicPeriod"/>
+            </a:pPr>
+            <a:r>
+              <a:rPr lang="en-US" sz="2400" b="1" dirty="0" smtClean="0">
+                <a:solidFill>
+                  <a:schemeClr val="accent1">
+                    <a:lumMod val="75000"/>
+                  </a:schemeClr>
+                </a:solidFill>
+              </a:rPr>
+              <a:t>CENG 252: </a:t>
+            </a:r>
+            <a:r>
+              <a:rPr lang="en-US" sz="2400" dirty="0" smtClean="0">
+                <a:solidFill>
+                  <a:schemeClr val="accent1">
+                    <a:lumMod val="75000"/>
+                  </a:schemeClr>
+                </a:solidFill>
+              </a:rPr>
+              <a:t>Embedded Systems</a:t>
+            </a:r>
+          </a:p>
+          <a:p>
+            <a:pPr lvl="2"/>
+            <a:r>
+              <a:rPr lang="en-US" dirty="0" smtClean="0">
+                <a:solidFill>
+                  <a:schemeClr val="tx2">
+                    <a:lumMod val="75000"/>
+                  </a:schemeClr>
+                </a:solidFill>
+              </a:rPr>
+              <a:t>Implementation of Raspberry Pi with other sensors</a:t>
+            </a:r>
+          </a:p>
+          <a:p>
+            <a:pPr lvl="2"/>
+            <a:r>
+              <a:rPr lang="en-US" dirty="0" smtClean="0">
+                <a:solidFill>
+                  <a:schemeClr val="tx2">
+                    <a:lumMod val="75000"/>
+                  </a:schemeClr>
+                </a:solidFill>
+              </a:rPr>
+              <a:t>How to communicate between hardware using C and JSON</a:t>
+            </a:r>
+          </a:p>
+          <a:p>
+            <a:pPr lvl="2"/>
+            <a:endParaRPr lang="en-US" sz="1700" dirty="0" smtClean="0">
+              <a:solidFill>
+                <a:srgbClr val="0070C0"/>
+              </a:solidFill>
+            </a:endParaRPr>
+          </a:p>
+          <a:p>
+            <a:endParaRPr lang="en-US" dirty="0"/>
           </a:p>
         </p:txBody>
       </p:sp>
